--- a/QSSD/Poster.pptx
+++ b/QSSD/Poster.pptx
@@ -3966,7 +3966,7 @@
       </p:sp>
       <p:sp>
         <p:nvSpPr>
-          <p:cNvPr id="2055" name="Rectangle 7"/>
+          <p:cNvPr id="2056" name="Rectangle 8"/>
           <p:cNvSpPr>
             <a:spLocks noChangeArrowheads="1"/>
           </p:cNvSpPr>
@@ -3974,8 +3974,8 @@
         </p:nvSpPr>
         <p:spPr bwMode="auto">
           <a:xfrm>
-            <a:off x="220663" y="2382838"/>
-            <a:ext cx="3540125" cy="7953375"/>
+            <a:off x="3946525" y="4050556"/>
+            <a:ext cx="3540125" cy="6264696"/>
           </a:xfrm>
           <a:prstGeom prst="rect">
             <a:avLst/>
@@ -4095,182 +4095,42 @@
           <a:p>
             <a:pPr eaLnBrk="1" hangingPunct="1"/>
             <a:r>
-              <a:rPr lang="en-US" altLang="x-none" sz="1400" dirty="0"/>
-              <a:t>    The large majority of office workers use Excel spreadsheets and other cell separated file formats to store a variety of data in tables and when these tables start becoming too complex to be held in a single file you may need to bring together those tables of data into a single or more readable format and with large tables this can become a long process to get correct.</a:t>
+              <a:rPr lang="en-GB" altLang="x-none" sz="1400" b="1" dirty="0"/>
+              <a:t>The product:</a:t>
             </a:r>
           </a:p>
-          <a:p>
-            <a:pPr eaLnBrk="1" hangingPunct="1"/>
-            <a:r>
-              <a:rPr lang="en-US" altLang="x-none" sz="1400" dirty="0"/>
-              <a:t>    The main goal of this project was to create a program that made this process as easy and seamless for users regardless of their technical expertise by automating the process of not only merging the tables but by also detecting what the relations between tables based off of their content and/or table header in ideal situations the process will only take a few clicks. To further help the user ensure the process works correctly the program will also read through the imported data and look for any values that could be invalid by comparing it against other values in that column, this can help identify if a column that is nearly full of unique values, or if a column is mostly string but has a single integer value, if a potential problem is detected a simple tag is shown next to the table for the user to either ignore or to fix by viewing the table and having the issue be highlighted. Along with this each column is given an overall expression of the data it contains, this expression will summarize the data inside each column and help the user spot any mistakes if the data inside that column was expected to fit an exact format. </a:t>
-            </a:r>
-          </a:p>
-        </p:txBody>
-      </p:sp>
-      <p:sp>
-        <p:nvSpPr>
-          <p:cNvPr id="2056" name="Rectangle 8"/>
-          <p:cNvSpPr>
-            <a:spLocks noChangeArrowheads="1"/>
-          </p:cNvSpPr>
-          <p:nvPr/>
-        </p:nvSpPr>
-        <p:spPr bwMode="auto">
-          <a:xfrm>
-            <a:off x="3946525" y="2382838"/>
-            <a:ext cx="3540125" cy="7953375"/>
-          </a:xfrm>
-          <a:prstGeom prst="rect">
-            <a:avLst/>
-          </a:prstGeom>
-          <a:solidFill>
-            <a:schemeClr val="bg1"/>
-          </a:solidFill>
-          <a:ln w="9525">
-            <a:solidFill>
-              <a:schemeClr val="tx1"/>
-            </a:solidFill>
-            <a:miter lim="800000"/>
-            <a:headEnd/>
-            <a:tailEnd/>
-          </a:ln>
-        </p:spPr>
-        <p:txBody>
-          <a:bodyPr/>
-          <a:lstStyle>
-            <a:lvl1pPr eaLnBrk="0" hangingPunct="0">
-              <a:defRPr sz="2900">
-                <a:solidFill>
-                  <a:schemeClr val="tx1"/>
-                </a:solidFill>
-                <a:latin typeface="Arial" charset="0"/>
-              </a:defRPr>
-            </a:lvl1pPr>
-            <a:lvl2pPr marL="742950" indent="-285750" eaLnBrk="0" hangingPunct="0">
-              <a:defRPr sz="2900">
-                <a:solidFill>
-                  <a:schemeClr val="tx1"/>
-                </a:solidFill>
-                <a:latin typeface="Arial" charset="0"/>
-              </a:defRPr>
-            </a:lvl2pPr>
-            <a:lvl3pPr marL="1143000" indent="-228600" eaLnBrk="0" hangingPunct="0">
-              <a:defRPr sz="2900">
-                <a:solidFill>
-                  <a:schemeClr val="tx1"/>
-                </a:solidFill>
-                <a:latin typeface="Arial" charset="0"/>
-              </a:defRPr>
-            </a:lvl3pPr>
-            <a:lvl4pPr marL="1600200" indent="-228600" eaLnBrk="0" hangingPunct="0">
-              <a:defRPr sz="2900">
-                <a:solidFill>
-                  <a:schemeClr val="tx1"/>
-                </a:solidFill>
-                <a:latin typeface="Arial" charset="0"/>
-              </a:defRPr>
-            </a:lvl4pPr>
-            <a:lvl5pPr marL="2057400" indent="-228600" eaLnBrk="0" hangingPunct="0">
-              <a:defRPr sz="2900">
-                <a:solidFill>
-                  <a:schemeClr val="tx1"/>
-                </a:solidFill>
-                <a:latin typeface="Arial" charset="0"/>
-              </a:defRPr>
-            </a:lvl5pPr>
-            <a:lvl6pPr marL="2514600" indent="-228600" eaLnBrk="0" fontAlgn="base" hangingPunct="0">
-              <a:spcBef>
-                <a:spcPct val="0"/>
-              </a:spcBef>
-              <a:spcAft>
-                <a:spcPct val="0"/>
-              </a:spcAft>
-              <a:defRPr sz="2900">
-                <a:solidFill>
-                  <a:schemeClr val="tx1"/>
-                </a:solidFill>
-                <a:latin typeface="Arial" charset="0"/>
-              </a:defRPr>
-            </a:lvl6pPr>
-            <a:lvl7pPr marL="2971800" indent="-228600" eaLnBrk="0" fontAlgn="base" hangingPunct="0">
-              <a:spcBef>
-                <a:spcPct val="0"/>
-              </a:spcBef>
-              <a:spcAft>
-                <a:spcPct val="0"/>
-              </a:spcAft>
-              <a:defRPr sz="2900">
-                <a:solidFill>
-                  <a:schemeClr val="tx1"/>
-                </a:solidFill>
-                <a:latin typeface="Arial" charset="0"/>
-              </a:defRPr>
-            </a:lvl7pPr>
-            <a:lvl8pPr marL="3429000" indent="-228600" eaLnBrk="0" fontAlgn="base" hangingPunct="0">
-              <a:spcBef>
-                <a:spcPct val="0"/>
-              </a:spcBef>
-              <a:spcAft>
-                <a:spcPct val="0"/>
-              </a:spcAft>
-              <a:defRPr sz="2900">
-                <a:solidFill>
-                  <a:schemeClr val="tx1"/>
-                </a:solidFill>
-                <a:latin typeface="Arial" charset="0"/>
-              </a:defRPr>
-            </a:lvl8pPr>
-            <a:lvl9pPr marL="3886200" indent="-228600" eaLnBrk="0" fontAlgn="base" hangingPunct="0">
-              <a:spcBef>
-                <a:spcPct val="0"/>
-              </a:spcBef>
-              <a:spcAft>
-                <a:spcPct val="0"/>
-              </a:spcAft>
-              <a:defRPr sz="2900">
-                <a:solidFill>
-                  <a:schemeClr val="tx1"/>
-                </a:solidFill>
-                <a:latin typeface="Arial" charset="0"/>
-              </a:defRPr>
-            </a:lvl9pPr>
-          </a:lstStyle>
           <a:p>
             <a:pPr eaLnBrk="1" hangingPunct="1"/>
             <a:r>
               <a:rPr lang="en-GB" altLang="x-none" sz="1400" dirty="0"/>
-              <a:t>    To use the program the user first has to select what files contain the tables being merged, the program will then get all tables from the spreadsheet, assign them a “name” and search through for any potential problems. Once the tables are imported the user is presented with a list where they can select what tables are to be merged and check if any of the flagged issues require fixing or not. </a:t>
+              <a:t>    With the final result the user must first select which files (.csv or .xlsx) which contains the tables that the user would like to merge, these tables are then found from the spreadsheet and scanned for potential errors along with general expressions for each column summarising what is stored inside each column. Each table is also assigned a name to help the user when it comes to merging.</a:t>
             </a:r>
           </a:p>
           <a:p>
             <a:pPr eaLnBrk="1" hangingPunct="1"/>
             <a:r>
               <a:rPr lang="en-GB" altLang="x-none" sz="1400" dirty="0"/>
-              <a:t>    Once the user is happy that the tables are not incorrect they can then merge the tables and save the resulting table.</a:t>
+              <a:t>    Once the user has imported all the tables and is happy they have no serious errors they can then proceed to the merge where provided the program has detected the correct links the user can then save the resulting table as either .csv or .xlsx.</a:t>
             </a:r>
           </a:p>
           <a:p>
             <a:pPr eaLnBrk="1" hangingPunct="1"/>
             <a:r>
               <a:rPr lang="en-GB" altLang="x-none" sz="1400" dirty="0"/>
-              <a:t>    However if something went wrong in the merging process such as an incorrect link was detected or the correct link wasn’t then the user has the option to go through the merge process step by step to see what table merged in by what column and override those automated decisions with the correct ones by removing or adding links between tables or reordering them so that the correct data has been previously imported for a link to be made since the merge process is done one table at a time.</a:t>
+              <a:t>    However should a problem occur with tables being merged incorrectly then the user is presented a step by step view of how the tables where merged showing the output created and associated errors. From here the user is able to remove/ add links between tables and reorder the order in which they were merged. </a:t>
             </a:r>
           </a:p>
           <a:p>
             <a:pPr eaLnBrk="1" hangingPunct="1"/>
             <a:r>
               <a:rPr lang="en-GB" altLang="x-none" sz="1400" dirty="0"/>
-              <a:t>    Currently the program is able to import and export both .csv and .xlsx files interchangeably with support for more planned in the future along with support for non-table content planned to be brought into the process.</a:t>
+              <a:t>    While this functionality goes against the aim of automation it still provides a more efficient method than </a:t>
             </a:r>
-          </a:p>
-          <a:p>
-            <a:pPr eaLnBrk="1" hangingPunct="1"/>
             <a:r>
-              <a:rPr lang="en-GB" altLang="x-none" sz="1400" dirty="0"/>
-              <a:t>   This project has been created using Java due to its object orientated nature  and using the Apache POI module to help with reading and writing Excel spreadsheets.</a:t>
+              <a:rPr lang="en-GB" altLang="x-none" sz="1400"/>
+              <a:t>alternative methods.</a:t>
             </a:r>
-            <a:endParaRPr lang="x-none" altLang="x-none" sz="1400" dirty="0"/>
+            <a:endParaRPr lang="en-GB" altLang="x-none" sz="1400" dirty="0"/>
           </a:p>
         </p:txBody>
       </p:sp>
@@ -4574,14 +4434,14 @@
           <p:nvPr>
             <p:extLst>
               <p:ext uri="{D42A27DB-BD31-4B8C-83A1-F6EECF244321}">
-                <p14:modId xmlns:p14="http://schemas.microsoft.com/office/powerpoint/2010/main" val="163870510"/>
+                <p14:modId xmlns:p14="http://schemas.microsoft.com/office/powerpoint/2010/main" val="3486467929"/>
               </p:ext>
             </p:extLst>
           </p:nvPr>
         </p:nvGraphicFramePr>
         <p:xfrm>
-          <a:off x="7777287" y="2682404"/>
-          <a:ext cx="3433637" cy="2036440"/>
+          <a:off x="7830458" y="3003163"/>
+          <a:ext cx="3979276" cy="2036440"/>
         </p:xfrm>
         <a:graphic>
           <a:graphicData uri="http://schemas.openxmlformats.org/drawingml/2006/table">
@@ -4590,24 +4450,31 @@
                 <a:tableStyleId>{5C22544A-7EE6-4342-B048-85BDC9FD1C3A}</a:tableStyleId>
               </a:tblPr>
               <a:tblGrid>
-                <a:gridCol w="683125">
+                <a:gridCol w="450884">
                   <a:extLst>
                     <a:ext uri="{9D8B030D-6E8A-4147-A177-3AD203B41FA5}">
                       <a16:colId xmlns:a16="http://schemas.microsoft.com/office/drawing/2014/main" val="2191980910"/>
                     </a:ext>
                   </a:extLst>
                 </a:gridCol>
-                <a:gridCol w="1297941">
+                <a:gridCol w="936104">
                   <a:extLst>
                     <a:ext uri="{9D8B030D-6E8A-4147-A177-3AD203B41FA5}">
                       <a16:colId xmlns:a16="http://schemas.microsoft.com/office/drawing/2014/main" val="3903008719"/>
                     </a:ext>
                   </a:extLst>
                 </a:gridCol>
-                <a:gridCol w="1452571">
+                <a:gridCol w="1080120">
                   <a:extLst>
                     <a:ext uri="{9D8B030D-6E8A-4147-A177-3AD203B41FA5}">
                       <a16:colId xmlns:a16="http://schemas.microsoft.com/office/drawing/2014/main" val="2581848819"/>
+                    </a:ext>
+                  </a:extLst>
+                </a:gridCol>
+                <a:gridCol w="1512168">
+                  <a:extLst>
+                    <a:ext uri="{9D8B030D-6E8A-4147-A177-3AD203B41FA5}">
+                      <a16:colId xmlns:a16="http://schemas.microsoft.com/office/drawing/2014/main" val="3731136313"/>
                     </a:ext>
                   </a:extLst>
                 </a:gridCol>
@@ -4736,6 +4603,61 @@
                           </a:solidFill>
                         </a:rPr>
                         <a:t>Surname</a:t>
+                      </a:r>
+                    </a:p>
+                  </a:txBody>
+                  <a:tcPr>
+                    <a:lnL w="12700" cap="flat" cmpd="sng" algn="ctr">
+                      <a:solidFill>
+                        <a:schemeClr val="tx1"/>
+                      </a:solidFill>
+                      <a:prstDash val="solid"/>
+                      <a:round/>
+                      <a:headEnd type="none" w="med" len="med"/>
+                      <a:tailEnd type="none" w="med" len="med"/>
+                    </a:lnL>
+                    <a:lnR w="12700" cap="flat" cmpd="sng" algn="ctr">
+                      <a:solidFill>
+                        <a:schemeClr val="tx1"/>
+                      </a:solidFill>
+                      <a:prstDash val="solid"/>
+                      <a:round/>
+                      <a:headEnd type="none" w="med" len="med"/>
+                      <a:tailEnd type="none" w="med" len="med"/>
+                    </a:lnR>
+                    <a:lnT w="12700" cap="flat" cmpd="sng" algn="ctr">
+                      <a:solidFill>
+                        <a:schemeClr val="tx1"/>
+                      </a:solidFill>
+                      <a:prstDash val="solid"/>
+                      <a:round/>
+                      <a:headEnd type="none" w="med" len="med"/>
+                      <a:tailEnd type="none" w="med" len="med"/>
+                    </a:lnT>
+                    <a:lnB w="12700" cap="flat" cmpd="sng" algn="ctr">
+                      <a:solidFill>
+                        <a:schemeClr val="tx1"/>
+                      </a:solidFill>
+                      <a:prstDash val="solid"/>
+                      <a:round/>
+                      <a:headEnd type="none" w="med" len="med"/>
+                      <a:tailEnd type="none" w="med" len="med"/>
+                    </a:lnB>
+                  </a:tcPr>
+                </a:tc>
+                <a:tc>
+                  <a:txBody>
+                    <a:bodyPr/>
+                    <a:lstStyle/>
+                    <a:p>
+                      <a:pPr algn="ctr"/>
+                      <a:r>
+                        <a:rPr lang="en-GB" sz="1600" b="1" dirty="0">
+                          <a:solidFill>
+                            <a:schemeClr val="tx1"/>
+                          </a:solidFill>
+                        </a:rPr>
+                        <a:t>DepartmentId</a:t>
                       </a:r>
                     </a:p>
                   </a:txBody>
@@ -4914,6 +4836,64 @@
                           </a:solidFill>
                         </a:rPr>
                         <a:t>Jones</a:t>
+                      </a:r>
+                    </a:p>
+                  </a:txBody>
+                  <a:tcPr>
+                    <a:lnL w="12700" cap="flat" cmpd="sng" algn="ctr">
+                      <a:solidFill>
+                        <a:schemeClr val="tx1"/>
+                      </a:solidFill>
+                      <a:prstDash val="solid"/>
+                      <a:round/>
+                      <a:headEnd type="none" w="med" len="med"/>
+                      <a:tailEnd type="none" w="med" len="med"/>
+                    </a:lnL>
+                    <a:lnR w="12700" cap="flat" cmpd="sng" algn="ctr">
+                      <a:solidFill>
+                        <a:schemeClr val="tx1"/>
+                      </a:solidFill>
+                      <a:prstDash val="solid"/>
+                      <a:round/>
+                      <a:headEnd type="none" w="med" len="med"/>
+                      <a:tailEnd type="none" w="med" len="med"/>
+                    </a:lnR>
+                    <a:lnT w="12700" cap="flat" cmpd="sng" algn="ctr">
+                      <a:solidFill>
+                        <a:schemeClr val="tx1"/>
+                      </a:solidFill>
+                      <a:prstDash val="solid"/>
+                      <a:round/>
+                      <a:headEnd type="none" w="med" len="med"/>
+                      <a:tailEnd type="none" w="med" len="med"/>
+                    </a:lnT>
+                    <a:lnB w="12700" cap="flat" cmpd="sng" algn="ctr">
+                      <a:solidFill>
+                        <a:schemeClr val="tx1"/>
+                      </a:solidFill>
+                      <a:prstDash val="solid"/>
+                      <a:round/>
+                      <a:headEnd type="none" w="med" len="med"/>
+                      <a:tailEnd type="none" w="med" len="med"/>
+                    </a:lnB>
+                    <a:solidFill>
+                      <a:schemeClr val="bg1"/>
+                    </a:solidFill>
+                  </a:tcPr>
+                </a:tc>
+                <a:tc>
+                  <a:txBody>
+                    <a:bodyPr/>
+                    <a:lstStyle/>
+                    <a:p>
+                      <a:pPr algn="ctr"/>
+                      <a:r>
+                        <a:rPr lang="en-GB" sz="1600" dirty="0">
+                          <a:solidFill>
+                            <a:schemeClr val="tx1"/>
+                          </a:solidFill>
+                        </a:rPr>
+                        <a:t>1</a:t>
                       </a:r>
                     </a:p>
                   </a:txBody>
@@ -5140,6 +5120,64 @@
                     </a:solidFill>
                   </a:tcPr>
                 </a:tc>
+                <a:tc>
+                  <a:txBody>
+                    <a:bodyPr/>
+                    <a:lstStyle/>
+                    <a:p>
+                      <a:pPr algn="ctr"/>
+                      <a:r>
+                        <a:rPr lang="en-GB" sz="1600" dirty="0">
+                          <a:solidFill>
+                            <a:schemeClr val="tx1"/>
+                          </a:solidFill>
+                        </a:rPr>
+                        <a:t>2</a:t>
+                      </a:r>
+                    </a:p>
+                  </a:txBody>
+                  <a:tcPr>
+                    <a:lnL w="12700" cap="flat" cmpd="sng" algn="ctr">
+                      <a:solidFill>
+                        <a:schemeClr val="tx1"/>
+                      </a:solidFill>
+                      <a:prstDash val="solid"/>
+                      <a:round/>
+                      <a:headEnd type="none" w="med" len="med"/>
+                      <a:tailEnd type="none" w="med" len="med"/>
+                    </a:lnL>
+                    <a:lnR w="12700" cap="flat" cmpd="sng" algn="ctr">
+                      <a:solidFill>
+                        <a:schemeClr val="tx1"/>
+                      </a:solidFill>
+                      <a:prstDash val="solid"/>
+                      <a:round/>
+                      <a:headEnd type="none" w="med" len="med"/>
+                      <a:tailEnd type="none" w="med" len="med"/>
+                    </a:lnR>
+                    <a:lnT w="12700" cap="flat" cmpd="sng" algn="ctr">
+                      <a:solidFill>
+                        <a:schemeClr val="tx1"/>
+                      </a:solidFill>
+                      <a:prstDash val="solid"/>
+                      <a:round/>
+                      <a:headEnd type="none" w="med" len="med"/>
+                      <a:tailEnd type="none" w="med" len="med"/>
+                    </a:lnT>
+                    <a:lnB w="12700" cap="flat" cmpd="sng" algn="ctr">
+                      <a:solidFill>
+                        <a:schemeClr val="tx1"/>
+                      </a:solidFill>
+                      <a:prstDash val="solid"/>
+                      <a:round/>
+                      <a:headEnd type="none" w="med" len="med"/>
+                      <a:tailEnd type="none" w="med" len="med"/>
+                    </a:lnB>
+                    <a:solidFill>
+                      <a:schemeClr val="bg1"/>
+                    </a:solidFill>
+                  </a:tcPr>
+                </a:tc>
                 <a:extLst>
                   <a:ext uri="{0D108BD9-81ED-4DB2-BD59-A6C34878D82A}">
                     <a16:rowId xmlns:a16="http://schemas.microsoft.com/office/drawing/2014/main" val="3692096368"/>
@@ -5276,6 +5314,64 @@
                           </a:solidFill>
                         </a:rPr>
                         <a:t>Miller</a:t>
+                      </a:r>
+                    </a:p>
+                  </a:txBody>
+                  <a:tcPr>
+                    <a:lnL w="12700" cap="flat" cmpd="sng" algn="ctr">
+                      <a:solidFill>
+                        <a:schemeClr val="tx1"/>
+                      </a:solidFill>
+                      <a:prstDash val="solid"/>
+                      <a:round/>
+                      <a:headEnd type="none" w="med" len="med"/>
+                      <a:tailEnd type="none" w="med" len="med"/>
+                    </a:lnL>
+                    <a:lnR w="12700" cap="flat" cmpd="sng" algn="ctr">
+                      <a:solidFill>
+                        <a:schemeClr val="tx1"/>
+                      </a:solidFill>
+                      <a:prstDash val="solid"/>
+                      <a:round/>
+                      <a:headEnd type="none" w="med" len="med"/>
+                      <a:tailEnd type="none" w="med" len="med"/>
+                    </a:lnR>
+                    <a:lnT w="12700" cap="flat" cmpd="sng" algn="ctr">
+                      <a:solidFill>
+                        <a:schemeClr val="tx1"/>
+                      </a:solidFill>
+                      <a:prstDash val="solid"/>
+                      <a:round/>
+                      <a:headEnd type="none" w="med" len="med"/>
+                      <a:tailEnd type="none" w="med" len="med"/>
+                    </a:lnT>
+                    <a:lnB w="12700" cap="flat" cmpd="sng" algn="ctr">
+                      <a:solidFill>
+                        <a:schemeClr val="tx1"/>
+                      </a:solidFill>
+                      <a:prstDash val="solid"/>
+                      <a:round/>
+                      <a:headEnd type="none" w="med" len="med"/>
+                      <a:tailEnd type="none" w="med" len="med"/>
+                    </a:lnB>
+                    <a:solidFill>
+                      <a:schemeClr val="bg1"/>
+                    </a:solidFill>
+                  </a:tcPr>
+                </a:tc>
+                <a:tc>
+                  <a:txBody>
+                    <a:bodyPr/>
+                    <a:lstStyle/>
+                    <a:p>
+                      <a:pPr algn="ctr"/>
+                      <a:r>
+                        <a:rPr lang="en-GB" sz="1600" dirty="0">
+                          <a:solidFill>
+                            <a:schemeClr val="tx1"/>
+                          </a:solidFill>
+                        </a:rPr>
+                        <a:t>3</a:t>
                       </a:r>
                     </a:p>
                   </a:txBody>
@@ -5502,6 +5598,64 @@
                     </a:solidFill>
                   </a:tcPr>
                 </a:tc>
+                <a:tc>
+                  <a:txBody>
+                    <a:bodyPr/>
+                    <a:lstStyle/>
+                    <a:p>
+                      <a:pPr algn="ctr"/>
+                      <a:r>
+                        <a:rPr lang="en-GB" sz="1600" dirty="0">
+                          <a:solidFill>
+                            <a:schemeClr val="tx1"/>
+                          </a:solidFill>
+                        </a:rPr>
+                        <a:t>4</a:t>
+                      </a:r>
+                    </a:p>
+                  </a:txBody>
+                  <a:tcPr>
+                    <a:lnL w="12700" cap="flat" cmpd="sng" algn="ctr">
+                      <a:solidFill>
+                        <a:schemeClr val="tx1"/>
+                      </a:solidFill>
+                      <a:prstDash val="solid"/>
+                      <a:round/>
+                      <a:headEnd type="none" w="med" len="med"/>
+                      <a:tailEnd type="none" w="med" len="med"/>
+                    </a:lnL>
+                    <a:lnR w="12700" cap="flat" cmpd="sng" algn="ctr">
+                      <a:solidFill>
+                        <a:schemeClr val="tx1"/>
+                      </a:solidFill>
+                      <a:prstDash val="solid"/>
+                      <a:round/>
+                      <a:headEnd type="none" w="med" len="med"/>
+                      <a:tailEnd type="none" w="med" len="med"/>
+                    </a:lnR>
+                    <a:lnT w="12700" cap="flat" cmpd="sng" algn="ctr">
+                      <a:solidFill>
+                        <a:schemeClr val="tx1"/>
+                      </a:solidFill>
+                      <a:prstDash val="solid"/>
+                      <a:round/>
+                      <a:headEnd type="none" w="med" len="med"/>
+                      <a:tailEnd type="none" w="med" len="med"/>
+                    </a:lnT>
+                    <a:lnB w="12700" cap="flat" cmpd="sng" algn="ctr">
+                      <a:solidFill>
+                        <a:schemeClr val="tx1"/>
+                      </a:solidFill>
+                      <a:prstDash val="solid"/>
+                      <a:round/>
+                      <a:headEnd type="none" w="med" len="med"/>
+                      <a:tailEnd type="none" w="med" len="med"/>
+                    </a:lnB>
+                    <a:solidFill>
+                      <a:schemeClr val="bg1"/>
+                    </a:solidFill>
+                  </a:tcPr>
+                </a:tc>
                 <a:extLst>
                   <a:ext uri="{0D108BD9-81ED-4DB2-BD59-A6C34878D82A}">
                     <a16:rowId xmlns:a16="http://schemas.microsoft.com/office/drawing/2014/main" val="2005129482"/>
@@ -5638,6 +5792,64 @@
                           </a:solidFill>
                         </a:rPr>
                         <a:t>Johnson</a:t>
+                      </a:r>
+                    </a:p>
+                  </a:txBody>
+                  <a:tcPr>
+                    <a:lnL w="12700" cap="flat" cmpd="sng" algn="ctr">
+                      <a:solidFill>
+                        <a:schemeClr val="tx1"/>
+                      </a:solidFill>
+                      <a:prstDash val="solid"/>
+                      <a:round/>
+                      <a:headEnd type="none" w="med" len="med"/>
+                      <a:tailEnd type="none" w="med" len="med"/>
+                    </a:lnL>
+                    <a:lnR w="12700" cap="flat" cmpd="sng" algn="ctr">
+                      <a:solidFill>
+                        <a:schemeClr val="tx1"/>
+                      </a:solidFill>
+                      <a:prstDash val="solid"/>
+                      <a:round/>
+                      <a:headEnd type="none" w="med" len="med"/>
+                      <a:tailEnd type="none" w="med" len="med"/>
+                    </a:lnR>
+                    <a:lnT w="12700" cap="flat" cmpd="sng" algn="ctr">
+                      <a:solidFill>
+                        <a:schemeClr val="tx1"/>
+                      </a:solidFill>
+                      <a:prstDash val="solid"/>
+                      <a:round/>
+                      <a:headEnd type="none" w="med" len="med"/>
+                      <a:tailEnd type="none" w="med" len="med"/>
+                    </a:lnT>
+                    <a:lnB w="12700" cap="flat" cmpd="sng" algn="ctr">
+                      <a:solidFill>
+                        <a:schemeClr val="tx1"/>
+                      </a:solidFill>
+                      <a:prstDash val="solid"/>
+                      <a:round/>
+                      <a:headEnd type="none" w="med" len="med"/>
+                      <a:tailEnd type="none" w="med" len="med"/>
+                    </a:lnB>
+                    <a:solidFill>
+                      <a:schemeClr val="bg1"/>
+                    </a:solidFill>
+                  </a:tcPr>
+                </a:tc>
+                <a:tc>
+                  <a:txBody>
+                    <a:bodyPr/>
+                    <a:lstStyle/>
+                    <a:p>
+                      <a:pPr algn="ctr"/>
+                      <a:r>
+                        <a:rPr lang="en-GB" sz="1600" dirty="0">
+                          <a:solidFill>
+                            <a:schemeClr val="tx1"/>
+                          </a:solidFill>
+                        </a:rPr>
+                        <a:t>3</a:t>
                       </a:r>
                     </a:p>
                   </a:txBody>
@@ -5708,14 +5920,14 @@
           <p:nvPr>
             <p:extLst>
               <p:ext uri="{D42A27DB-BD31-4B8C-83A1-F6EECF244321}">
-                <p14:modId xmlns:p14="http://schemas.microsoft.com/office/powerpoint/2010/main" val="2316381290"/>
+                <p14:modId xmlns:p14="http://schemas.microsoft.com/office/powerpoint/2010/main" val="4256816526"/>
               </p:ext>
             </p:extLst>
           </p:nvPr>
         </p:nvGraphicFramePr>
         <p:xfrm>
-          <a:off x="7777288" y="5012532"/>
-          <a:ext cx="2232246" cy="1818640"/>
+          <a:off x="11891524" y="3585602"/>
+          <a:ext cx="2877129" cy="1447800"/>
         </p:xfrm>
         <a:graphic>
           <a:graphicData uri="http://schemas.openxmlformats.org/drawingml/2006/table">
@@ -5724,14 +5936,14 @@
                 <a:tableStyleId>{5C22544A-7EE6-4342-B048-85BDC9FD1C3A}</a:tableStyleId>
               </a:tblPr>
               <a:tblGrid>
-                <a:gridCol w="720078">
+                <a:gridCol w="1502386">
                   <a:extLst>
                     <a:ext uri="{9D8B030D-6E8A-4147-A177-3AD203B41FA5}">
                       <a16:colId xmlns:a16="http://schemas.microsoft.com/office/drawing/2014/main" val="2682512618"/>
                     </a:ext>
                   </a:extLst>
                 </a:gridCol>
-                <a:gridCol w="1512168">
+                <a:gridCol w="1374743">
                   <a:extLst>
                     <a:ext uri="{9D8B030D-6E8A-4147-A177-3AD203B41FA5}">
                       <a16:colId xmlns:a16="http://schemas.microsoft.com/office/drawing/2014/main" val="1186072262"/>
@@ -5752,7 +5964,7 @@
                             <a:schemeClr val="tx1"/>
                           </a:solidFill>
                         </a:rPr>
-                        <a:t>Id</a:t>
+                        <a:t>DepartmentId</a:t>
                       </a:r>
                     </a:p>
                   </a:txBody>
@@ -6225,129 +6437,6 @@
                   </a:ext>
                 </a:extLst>
               </a:tr>
-              <a:tr h="370840">
-                <a:tc>
-                  <a:txBody>
-                    <a:bodyPr/>
-                    <a:lstStyle/>
-                    <a:p>
-                      <a:pPr algn="ctr"/>
-                      <a:r>
-                        <a:rPr lang="en-GB" sz="1600" dirty="0">
-                          <a:solidFill>
-                            <a:schemeClr val="tx1"/>
-                          </a:solidFill>
-                        </a:rPr>
-                        <a:t>5</a:t>
-                      </a:r>
-                    </a:p>
-                  </a:txBody>
-                  <a:tcPr>
-                    <a:lnL w="12700" cap="flat" cmpd="sng" algn="ctr">
-                      <a:solidFill>
-                        <a:schemeClr val="tx1"/>
-                      </a:solidFill>
-                      <a:prstDash val="solid"/>
-                      <a:round/>
-                      <a:headEnd type="none" w="med" len="med"/>
-                      <a:tailEnd type="none" w="med" len="med"/>
-                    </a:lnL>
-                    <a:lnR w="12700" cap="flat" cmpd="sng" algn="ctr">
-                      <a:solidFill>
-                        <a:schemeClr val="tx1"/>
-                      </a:solidFill>
-                      <a:prstDash val="solid"/>
-                      <a:round/>
-                      <a:headEnd type="none" w="med" len="med"/>
-                      <a:tailEnd type="none" w="med" len="med"/>
-                    </a:lnR>
-                    <a:lnT w="12700" cap="flat" cmpd="sng" algn="ctr">
-                      <a:solidFill>
-                        <a:schemeClr val="tx1"/>
-                      </a:solidFill>
-                      <a:prstDash val="solid"/>
-                      <a:round/>
-                      <a:headEnd type="none" w="med" len="med"/>
-                      <a:tailEnd type="none" w="med" len="med"/>
-                    </a:lnT>
-                    <a:lnB w="12700" cap="flat" cmpd="sng" algn="ctr">
-                      <a:solidFill>
-                        <a:schemeClr val="tx1"/>
-                      </a:solidFill>
-                      <a:prstDash val="solid"/>
-                      <a:round/>
-                      <a:headEnd type="none" w="med" len="med"/>
-                      <a:tailEnd type="none" w="med" len="med"/>
-                    </a:lnB>
-                    <a:solidFill>
-                      <a:schemeClr val="bg1"/>
-                    </a:solidFill>
-                  </a:tcPr>
-                </a:tc>
-                <a:tc>
-                  <a:txBody>
-                    <a:bodyPr/>
-                    <a:lstStyle/>
-                    <a:p>
-                      <a:pPr algn="ctr"/>
-                      <a:r>
-                        <a:rPr lang="en-GB" sz="1600" dirty="0">
-                          <a:solidFill>
-                            <a:schemeClr val="tx1"/>
-                          </a:solidFill>
-                        </a:rPr>
-                        <a:t>IT</a:t>
-                      </a:r>
-                    </a:p>
-                  </a:txBody>
-                  <a:tcPr>
-                    <a:lnL w="12700" cap="flat" cmpd="sng" algn="ctr">
-                      <a:solidFill>
-                        <a:schemeClr val="tx1"/>
-                      </a:solidFill>
-                      <a:prstDash val="solid"/>
-                      <a:round/>
-                      <a:headEnd type="none" w="med" len="med"/>
-                      <a:tailEnd type="none" w="med" len="med"/>
-                    </a:lnL>
-                    <a:lnR w="12700" cap="flat" cmpd="sng" algn="ctr">
-                      <a:solidFill>
-                        <a:schemeClr val="tx1"/>
-                      </a:solidFill>
-                      <a:prstDash val="solid"/>
-                      <a:round/>
-                      <a:headEnd type="none" w="med" len="med"/>
-                      <a:tailEnd type="none" w="med" len="med"/>
-                    </a:lnR>
-                    <a:lnT w="12700" cap="flat" cmpd="sng" algn="ctr">
-                      <a:solidFill>
-                        <a:schemeClr val="tx1"/>
-                      </a:solidFill>
-                      <a:prstDash val="solid"/>
-                      <a:round/>
-                      <a:headEnd type="none" w="med" len="med"/>
-                      <a:tailEnd type="none" w="med" len="med"/>
-                    </a:lnT>
-                    <a:lnB w="12700" cap="flat" cmpd="sng" algn="ctr">
-                      <a:solidFill>
-                        <a:schemeClr val="tx1"/>
-                      </a:solidFill>
-                      <a:prstDash val="solid"/>
-                      <a:round/>
-                      <a:headEnd type="none" w="med" len="med"/>
-                      <a:tailEnd type="none" w="med" len="med"/>
-                    </a:lnB>
-                    <a:solidFill>
-                      <a:schemeClr val="bg1"/>
-                    </a:solidFill>
-                  </a:tcPr>
-                </a:tc>
-                <a:extLst>
-                  <a:ext uri="{0D108BD9-81ED-4DB2-BD59-A6C34878D82A}">
-                    <a16:rowId xmlns:a16="http://schemas.microsoft.com/office/drawing/2014/main" val="1819767387"/>
-                  </a:ext>
-                </a:extLst>
-              </a:tr>
             </a:tbl>
           </a:graphicData>
         </a:graphic>
@@ -6367,14 +6456,14 @@
           <p:nvPr>
             <p:extLst>
               <p:ext uri="{D42A27DB-BD31-4B8C-83A1-F6EECF244321}">
-                <p14:modId xmlns:p14="http://schemas.microsoft.com/office/powerpoint/2010/main" val="486018826"/>
+                <p14:modId xmlns:p14="http://schemas.microsoft.com/office/powerpoint/2010/main" val="1220132701"/>
               </p:ext>
             </p:extLst>
           </p:nvPr>
         </p:nvGraphicFramePr>
         <p:xfrm>
-          <a:off x="7830459" y="7578948"/>
-          <a:ext cx="6913332" cy="2225040"/>
+          <a:off x="7830459" y="7218908"/>
+          <a:ext cx="6913330" cy="2225040"/>
         </p:xfrm>
         <a:graphic>
           <a:graphicData uri="http://schemas.openxmlformats.org/drawingml/2006/table">
@@ -6383,28 +6472,35 @@
                 <a:tableStyleId>{5C22544A-7EE6-4342-B048-85BDC9FD1C3A}</a:tableStyleId>
               </a:tblPr>
               <a:tblGrid>
-                <a:gridCol w="1728333">
+                <a:gridCol w="1170963">
                   <a:extLst>
                     <a:ext uri="{9D8B030D-6E8A-4147-A177-3AD203B41FA5}">
                       <a16:colId xmlns:a16="http://schemas.microsoft.com/office/drawing/2014/main" val="3286391315"/>
                     </a:ext>
                   </a:extLst>
                 </a:gridCol>
-                <a:gridCol w="1728333">
+                <a:gridCol w="1296144">
                   <a:extLst>
                     <a:ext uri="{9D8B030D-6E8A-4147-A177-3AD203B41FA5}">
                       <a16:colId xmlns:a16="http://schemas.microsoft.com/office/drawing/2014/main" val="1975636932"/>
                     </a:ext>
                   </a:extLst>
                 </a:gridCol>
-                <a:gridCol w="1728333">
+                <a:gridCol w="1512168">
                   <a:extLst>
                     <a:ext uri="{9D8B030D-6E8A-4147-A177-3AD203B41FA5}">
                       <a16:colId xmlns:a16="http://schemas.microsoft.com/office/drawing/2014/main" val="2993073519"/>
                     </a:ext>
                   </a:extLst>
                 </a:gridCol>
-                <a:gridCol w="1728333">
+                <a:gridCol w="1551389">
+                  <a:extLst>
+                    <a:ext uri="{9D8B030D-6E8A-4147-A177-3AD203B41FA5}">
+                      <a16:colId xmlns:a16="http://schemas.microsoft.com/office/drawing/2014/main" val="3766340899"/>
+                    </a:ext>
+                  </a:extLst>
+                </a:gridCol>
+                <a:gridCol w="1382666">
                   <a:extLst>
                     <a:ext uri="{9D8B030D-6E8A-4147-A177-3AD203B41FA5}">
                       <a16:colId xmlns:a16="http://schemas.microsoft.com/office/drawing/2014/main" val="1459820025"/>
@@ -6536,6 +6632,61 @@
                           </a:solidFill>
                         </a:rPr>
                         <a:t>Surname</a:t>
+                      </a:r>
+                    </a:p>
+                  </a:txBody>
+                  <a:tcPr>
+                    <a:lnL w="12700" cap="flat" cmpd="sng" algn="ctr">
+                      <a:solidFill>
+                        <a:schemeClr val="tx1"/>
+                      </a:solidFill>
+                      <a:prstDash val="solid"/>
+                      <a:round/>
+                      <a:headEnd type="none" w="med" len="med"/>
+                      <a:tailEnd type="none" w="med" len="med"/>
+                    </a:lnL>
+                    <a:lnR w="12700" cap="flat" cmpd="sng" algn="ctr">
+                      <a:solidFill>
+                        <a:schemeClr val="tx1"/>
+                      </a:solidFill>
+                      <a:prstDash val="solid"/>
+                      <a:round/>
+                      <a:headEnd type="none" w="med" len="med"/>
+                      <a:tailEnd type="none" w="med" len="med"/>
+                    </a:lnR>
+                    <a:lnT w="12700" cap="flat" cmpd="sng" algn="ctr">
+                      <a:solidFill>
+                        <a:schemeClr val="tx1"/>
+                      </a:solidFill>
+                      <a:prstDash val="solid"/>
+                      <a:round/>
+                      <a:headEnd type="none" w="med" len="med"/>
+                      <a:tailEnd type="none" w="med" len="med"/>
+                    </a:lnT>
+                    <a:lnB w="12700" cap="flat" cmpd="sng" algn="ctr">
+                      <a:solidFill>
+                        <a:schemeClr val="tx1"/>
+                      </a:solidFill>
+                      <a:prstDash val="solid"/>
+                      <a:round/>
+                      <a:headEnd type="none" w="med" len="med"/>
+                      <a:tailEnd type="none" w="med" len="med"/>
+                    </a:lnB>
+                  </a:tcPr>
+                </a:tc>
+                <a:tc>
+                  <a:txBody>
+                    <a:bodyPr/>
+                    <a:lstStyle/>
+                    <a:p>
+                      <a:pPr algn="ctr"/>
+                      <a:r>
+                        <a:rPr lang="en-GB" sz="1600" b="1" dirty="0">
+                          <a:solidFill>
+                            <a:schemeClr val="tx1"/>
+                          </a:solidFill>
+                        </a:rPr>
+                        <a:t>DepartmentId</a:t>
                       </a:r>
                     </a:p>
                   </a:txBody>
@@ -6769,6 +6920,64 @@
                           </a:solidFill>
                         </a:rPr>
                         <a:t>Jones</a:t>
+                      </a:r>
+                    </a:p>
+                  </a:txBody>
+                  <a:tcPr>
+                    <a:lnL w="12700" cap="flat" cmpd="sng" algn="ctr">
+                      <a:solidFill>
+                        <a:schemeClr val="tx1"/>
+                      </a:solidFill>
+                      <a:prstDash val="solid"/>
+                      <a:round/>
+                      <a:headEnd type="none" w="med" len="med"/>
+                      <a:tailEnd type="none" w="med" len="med"/>
+                    </a:lnL>
+                    <a:lnR w="12700" cap="flat" cmpd="sng" algn="ctr">
+                      <a:solidFill>
+                        <a:schemeClr val="tx1"/>
+                      </a:solidFill>
+                      <a:prstDash val="solid"/>
+                      <a:round/>
+                      <a:headEnd type="none" w="med" len="med"/>
+                      <a:tailEnd type="none" w="med" len="med"/>
+                    </a:lnR>
+                    <a:lnT w="12700" cap="flat" cmpd="sng" algn="ctr">
+                      <a:solidFill>
+                        <a:schemeClr val="tx1"/>
+                      </a:solidFill>
+                      <a:prstDash val="solid"/>
+                      <a:round/>
+                      <a:headEnd type="none" w="med" len="med"/>
+                      <a:tailEnd type="none" w="med" len="med"/>
+                    </a:lnT>
+                    <a:lnB w="12700" cap="flat" cmpd="sng" algn="ctr">
+                      <a:solidFill>
+                        <a:schemeClr val="tx1"/>
+                      </a:solidFill>
+                      <a:prstDash val="solid"/>
+                      <a:round/>
+                      <a:headEnd type="none" w="med" len="med"/>
+                      <a:tailEnd type="none" w="med" len="med"/>
+                    </a:lnB>
+                    <a:solidFill>
+                      <a:schemeClr val="bg1"/>
+                    </a:solidFill>
+                  </a:tcPr>
+                </a:tc>
+                <a:tc>
+                  <a:txBody>
+                    <a:bodyPr/>
+                    <a:lstStyle/>
+                    <a:p>
+                      <a:pPr algn="ctr"/>
+                      <a:r>
+                        <a:rPr lang="en-GB" sz="1600" dirty="0">
+                          <a:solidFill>
+                            <a:schemeClr val="tx1"/>
+                          </a:solidFill>
+                        </a:rPr>
+                        <a:t>1</a:t>
                       </a:r>
                     </a:p>
                   </a:txBody>
@@ -7065,6 +7274,64 @@
                             <a:schemeClr val="tx1"/>
                           </a:solidFill>
                         </a:rPr>
+                        <a:t>2</a:t>
+                      </a:r>
+                    </a:p>
+                  </a:txBody>
+                  <a:tcPr>
+                    <a:lnL w="12700" cap="flat" cmpd="sng" algn="ctr">
+                      <a:solidFill>
+                        <a:schemeClr val="tx1"/>
+                      </a:solidFill>
+                      <a:prstDash val="solid"/>
+                      <a:round/>
+                      <a:headEnd type="none" w="med" len="med"/>
+                      <a:tailEnd type="none" w="med" len="med"/>
+                    </a:lnL>
+                    <a:lnR w="12700" cap="flat" cmpd="sng" algn="ctr">
+                      <a:solidFill>
+                        <a:schemeClr val="tx1"/>
+                      </a:solidFill>
+                      <a:prstDash val="solid"/>
+                      <a:round/>
+                      <a:headEnd type="none" w="med" len="med"/>
+                      <a:tailEnd type="none" w="med" len="med"/>
+                    </a:lnR>
+                    <a:lnT w="12700" cap="flat" cmpd="sng" algn="ctr">
+                      <a:solidFill>
+                        <a:schemeClr val="tx1"/>
+                      </a:solidFill>
+                      <a:prstDash val="solid"/>
+                      <a:round/>
+                      <a:headEnd type="none" w="med" len="med"/>
+                      <a:tailEnd type="none" w="med" len="med"/>
+                    </a:lnT>
+                    <a:lnB w="12700" cap="flat" cmpd="sng" algn="ctr">
+                      <a:solidFill>
+                        <a:schemeClr val="tx1"/>
+                      </a:solidFill>
+                      <a:prstDash val="solid"/>
+                      <a:round/>
+                      <a:headEnd type="none" w="med" len="med"/>
+                      <a:tailEnd type="none" w="med" len="med"/>
+                    </a:lnB>
+                    <a:solidFill>
+                      <a:schemeClr val="bg1"/>
+                    </a:solidFill>
+                  </a:tcPr>
+                </a:tc>
+                <a:tc>
+                  <a:txBody>
+                    <a:bodyPr/>
+                    <a:lstStyle/>
+                    <a:p>
+                      <a:pPr algn="ctr"/>
+                      <a:r>
+                        <a:rPr lang="en-GB" sz="1600" dirty="0">
+                          <a:solidFill>
+                            <a:schemeClr val="tx1"/>
+                          </a:solidFill>
+                        </a:rPr>
                         <a:t>Finance</a:t>
                       </a:r>
                     </a:p>
@@ -7304,6 +7571,64 @@
                             <a:schemeClr val="tx1"/>
                           </a:solidFill>
                         </a:rPr>
+                        <a:t>3</a:t>
+                      </a:r>
+                    </a:p>
+                  </a:txBody>
+                  <a:tcPr>
+                    <a:lnL w="12700" cap="flat" cmpd="sng" algn="ctr">
+                      <a:solidFill>
+                        <a:schemeClr val="tx1"/>
+                      </a:solidFill>
+                      <a:prstDash val="solid"/>
+                      <a:round/>
+                      <a:headEnd type="none" w="med" len="med"/>
+                      <a:tailEnd type="none" w="med" len="med"/>
+                    </a:lnL>
+                    <a:lnR w="12700" cap="flat" cmpd="sng" algn="ctr">
+                      <a:solidFill>
+                        <a:schemeClr val="tx1"/>
+                      </a:solidFill>
+                      <a:prstDash val="solid"/>
+                      <a:round/>
+                      <a:headEnd type="none" w="med" len="med"/>
+                      <a:tailEnd type="none" w="med" len="med"/>
+                    </a:lnR>
+                    <a:lnT w="12700" cap="flat" cmpd="sng" algn="ctr">
+                      <a:solidFill>
+                        <a:schemeClr val="tx1"/>
+                      </a:solidFill>
+                      <a:prstDash val="solid"/>
+                      <a:round/>
+                      <a:headEnd type="none" w="med" len="med"/>
+                      <a:tailEnd type="none" w="med" len="med"/>
+                    </a:lnT>
+                    <a:lnB w="12700" cap="flat" cmpd="sng" algn="ctr">
+                      <a:solidFill>
+                        <a:schemeClr val="tx1"/>
+                      </a:solidFill>
+                      <a:prstDash val="solid"/>
+                      <a:round/>
+                      <a:headEnd type="none" w="med" len="med"/>
+                      <a:tailEnd type="none" w="med" len="med"/>
+                    </a:lnB>
+                    <a:solidFill>
+                      <a:schemeClr val="bg1"/>
+                    </a:solidFill>
+                  </a:tcPr>
+                </a:tc>
+                <a:tc>
+                  <a:txBody>
+                    <a:bodyPr/>
+                    <a:lstStyle/>
+                    <a:p>
+                      <a:pPr algn="ctr"/>
+                      <a:r>
+                        <a:rPr lang="en-GB" sz="1600" dirty="0">
+                          <a:solidFill>
+                            <a:schemeClr val="tx1"/>
+                          </a:solidFill>
+                        </a:rPr>
                         <a:t>Design</a:t>
                       </a:r>
                     </a:p>
@@ -7537,6 +7862,64 @@
                     <a:lstStyle/>
                     <a:p>
                       <a:pPr algn="ctr"/>
+                      <a:r>
+                        <a:rPr lang="en-GB" sz="1600" dirty="0">
+                          <a:solidFill>
+                            <a:schemeClr val="tx1"/>
+                          </a:solidFill>
+                        </a:rPr>
+                        <a:t>4</a:t>
+                      </a:r>
+                    </a:p>
+                  </a:txBody>
+                  <a:tcPr>
+                    <a:lnL w="12700" cap="flat" cmpd="sng" algn="ctr">
+                      <a:solidFill>
+                        <a:schemeClr val="tx1"/>
+                      </a:solidFill>
+                      <a:prstDash val="solid"/>
+                      <a:round/>
+                      <a:headEnd type="none" w="med" len="med"/>
+                      <a:tailEnd type="none" w="med" len="med"/>
+                    </a:lnL>
+                    <a:lnR w="12700" cap="flat" cmpd="sng" algn="ctr">
+                      <a:solidFill>
+                        <a:schemeClr val="tx1"/>
+                      </a:solidFill>
+                      <a:prstDash val="solid"/>
+                      <a:round/>
+                      <a:headEnd type="none" w="med" len="med"/>
+                      <a:tailEnd type="none" w="med" len="med"/>
+                    </a:lnR>
+                    <a:lnT w="12700" cap="flat" cmpd="sng" algn="ctr">
+                      <a:solidFill>
+                        <a:schemeClr val="tx1"/>
+                      </a:solidFill>
+                      <a:prstDash val="solid"/>
+                      <a:round/>
+                      <a:headEnd type="none" w="med" len="med"/>
+                      <a:tailEnd type="none" w="med" len="med"/>
+                    </a:lnT>
+                    <a:lnB w="12700" cap="flat" cmpd="sng" algn="ctr">
+                      <a:solidFill>
+                        <a:schemeClr val="tx1"/>
+                      </a:solidFill>
+                      <a:prstDash val="solid"/>
+                      <a:round/>
+                      <a:headEnd type="none" w="med" len="med"/>
+                      <a:tailEnd type="none" w="med" len="med"/>
+                    </a:lnB>
+                    <a:solidFill>
+                      <a:schemeClr val="bg1"/>
+                    </a:solidFill>
+                  </a:tcPr>
+                </a:tc>
+                <a:tc>
+                  <a:txBody>
+                    <a:bodyPr/>
+                    <a:lstStyle/>
+                    <a:p>
+                      <a:pPr algn="ctr"/>
                       <a:endParaRPr lang="en-GB" sz="1600" dirty="0">
                         <a:solidFill>
                           <a:schemeClr val="tx1"/>
@@ -7779,6 +8162,64 @@
                             <a:schemeClr val="tx1"/>
                           </a:solidFill>
                         </a:rPr>
+                        <a:t>3</a:t>
+                      </a:r>
+                    </a:p>
+                  </a:txBody>
+                  <a:tcPr>
+                    <a:lnL w="12700" cap="flat" cmpd="sng" algn="ctr">
+                      <a:solidFill>
+                        <a:schemeClr val="tx1"/>
+                      </a:solidFill>
+                      <a:prstDash val="solid"/>
+                      <a:round/>
+                      <a:headEnd type="none" w="med" len="med"/>
+                      <a:tailEnd type="none" w="med" len="med"/>
+                    </a:lnL>
+                    <a:lnR w="12700" cap="flat" cmpd="sng" algn="ctr">
+                      <a:solidFill>
+                        <a:schemeClr val="tx1"/>
+                      </a:solidFill>
+                      <a:prstDash val="solid"/>
+                      <a:round/>
+                      <a:headEnd type="none" w="med" len="med"/>
+                      <a:tailEnd type="none" w="med" len="med"/>
+                    </a:lnR>
+                    <a:lnT w="12700" cap="flat" cmpd="sng" algn="ctr">
+                      <a:solidFill>
+                        <a:schemeClr val="tx1"/>
+                      </a:solidFill>
+                      <a:prstDash val="solid"/>
+                      <a:round/>
+                      <a:headEnd type="none" w="med" len="med"/>
+                      <a:tailEnd type="none" w="med" len="med"/>
+                    </a:lnT>
+                    <a:lnB w="12700" cap="flat" cmpd="sng" algn="ctr">
+                      <a:solidFill>
+                        <a:schemeClr val="tx1"/>
+                      </a:solidFill>
+                      <a:prstDash val="solid"/>
+                      <a:round/>
+                      <a:headEnd type="none" w="med" len="med"/>
+                      <a:tailEnd type="none" w="med" len="med"/>
+                    </a:lnB>
+                    <a:solidFill>
+                      <a:schemeClr val="bg1"/>
+                    </a:solidFill>
+                  </a:tcPr>
+                </a:tc>
+                <a:tc>
+                  <a:txBody>
+                    <a:bodyPr/>
+                    <a:lstStyle/>
+                    <a:p>
+                      <a:pPr algn="ctr"/>
+                      <a:r>
+                        <a:rPr lang="en-GB" sz="1600" dirty="0">
+                          <a:solidFill>
+                            <a:schemeClr val="tx1"/>
+                          </a:solidFill>
+                        </a:rPr>
                         <a:t>IT</a:t>
                       </a:r>
                       <a:endParaRPr lang="en-GB" dirty="0">
@@ -7840,6 +8281,741 @@
           </a:graphicData>
         </a:graphic>
       </p:graphicFrame>
+      <p:cxnSp>
+        <p:nvCxnSpPr>
+          <p:cNvPr id="3" name="Straight Connector 2">
+            <a:extLst>
+              <a:ext uri="{FF2B5EF4-FFF2-40B4-BE49-F238E27FC236}">
+                <a16:creationId xmlns:a16="http://schemas.microsoft.com/office/drawing/2014/main" id="{CF430B55-802F-47AD-9442-F0EA0CADE7DD}"/>
+              </a:ext>
+            </a:extLst>
+          </p:cNvPr>
+          <p:cNvCxnSpPr>
+            <a:cxnSpLocks/>
+          </p:cNvCxnSpPr>
+          <p:nvPr/>
+        </p:nvCxnSpPr>
+        <p:spPr bwMode="auto">
+          <a:xfrm>
+            <a:off x="7993310" y="5033402"/>
+            <a:ext cx="444434" cy="2175982"/>
+          </a:xfrm>
+          <a:prstGeom prst="line">
+            <a:avLst/>
+          </a:prstGeom>
+          <a:solidFill>
+            <a:schemeClr val="accent1"/>
+          </a:solidFill>
+          <a:ln w="9525" cap="flat" cmpd="sng" algn="ctr">
+            <a:solidFill>
+              <a:schemeClr val="tx1"/>
+            </a:solidFill>
+            <a:prstDash val="solid"/>
+            <a:round/>
+            <a:headEnd type="none" w="med" len="med"/>
+            <a:tailEnd type="none" w="med" len="med"/>
+          </a:ln>
+          <a:effectLst/>
+        </p:spPr>
+      </p:cxnSp>
+      <p:cxnSp>
+        <p:nvCxnSpPr>
+          <p:cNvPr id="6" name="Straight Connector 5">
+            <a:extLst>
+              <a:ext uri="{FF2B5EF4-FFF2-40B4-BE49-F238E27FC236}">
+                <a16:creationId xmlns:a16="http://schemas.microsoft.com/office/drawing/2014/main" id="{A85313D2-3778-481B-86B2-D8E8C9521A0F}"/>
+              </a:ext>
+            </a:extLst>
+          </p:cNvPr>
+          <p:cNvCxnSpPr>
+            <a:cxnSpLocks/>
+          </p:cNvCxnSpPr>
+          <p:nvPr/>
+        </p:nvCxnSpPr>
+        <p:spPr bwMode="auto">
+          <a:xfrm>
+            <a:off x="8713390" y="5058652"/>
+            <a:ext cx="903506" cy="2150732"/>
+          </a:xfrm>
+          <a:prstGeom prst="line">
+            <a:avLst/>
+          </a:prstGeom>
+          <a:solidFill>
+            <a:schemeClr val="accent1"/>
+          </a:solidFill>
+          <a:ln w="9525" cap="flat" cmpd="sng" algn="ctr">
+            <a:solidFill>
+              <a:schemeClr val="tx1"/>
+            </a:solidFill>
+            <a:prstDash val="solid"/>
+            <a:round/>
+            <a:headEnd type="none" w="med" len="med"/>
+            <a:tailEnd type="none" w="med" len="med"/>
+          </a:ln>
+          <a:effectLst/>
+        </p:spPr>
+      </p:cxnSp>
+      <p:cxnSp>
+        <p:nvCxnSpPr>
+          <p:cNvPr id="8" name="Straight Connector 7">
+            <a:extLst>
+              <a:ext uri="{FF2B5EF4-FFF2-40B4-BE49-F238E27FC236}">
+                <a16:creationId xmlns:a16="http://schemas.microsoft.com/office/drawing/2014/main" id="{48D09A69-D196-4848-BAB2-AA180A2AF60A}"/>
+              </a:ext>
+            </a:extLst>
+          </p:cNvPr>
+          <p:cNvCxnSpPr>
+            <a:cxnSpLocks/>
+          </p:cNvCxnSpPr>
+          <p:nvPr/>
+        </p:nvCxnSpPr>
+        <p:spPr bwMode="auto">
+          <a:xfrm>
+            <a:off x="9774969" y="5049127"/>
+            <a:ext cx="1242959" cy="2175982"/>
+          </a:xfrm>
+          <a:prstGeom prst="line">
+            <a:avLst/>
+          </a:prstGeom>
+          <a:solidFill>
+            <a:schemeClr val="accent1"/>
+          </a:solidFill>
+          <a:ln w="9525" cap="flat" cmpd="sng" algn="ctr">
+            <a:solidFill>
+              <a:schemeClr val="tx1"/>
+            </a:solidFill>
+            <a:prstDash val="solid"/>
+            <a:round/>
+            <a:headEnd type="none" w="med" len="med"/>
+            <a:tailEnd type="none" w="med" len="med"/>
+          </a:ln>
+          <a:effectLst/>
+        </p:spPr>
+      </p:cxnSp>
+      <p:cxnSp>
+        <p:nvCxnSpPr>
+          <p:cNvPr id="11" name="Straight Connector 10">
+            <a:extLst>
+              <a:ext uri="{FF2B5EF4-FFF2-40B4-BE49-F238E27FC236}">
+                <a16:creationId xmlns:a16="http://schemas.microsoft.com/office/drawing/2014/main" id="{39255F0A-94CB-4762-A6EE-A88A2E63B688}"/>
+              </a:ext>
+            </a:extLst>
+          </p:cNvPr>
+          <p:cNvCxnSpPr>
+            <a:cxnSpLocks/>
+          </p:cNvCxnSpPr>
+          <p:nvPr/>
+        </p:nvCxnSpPr>
+        <p:spPr bwMode="auto">
+          <a:xfrm>
+            <a:off x="11052854" y="5044365"/>
+            <a:ext cx="1536543" cy="2168342"/>
+          </a:xfrm>
+          <a:prstGeom prst="line">
+            <a:avLst/>
+          </a:prstGeom>
+          <a:solidFill>
+            <a:schemeClr val="accent1"/>
+          </a:solidFill>
+          <a:ln w="9525" cap="flat" cmpd="sng" algn="ctr">
+            <a:solidFill>
+              <a:schemeClr val="tx1"/>
+            </a:solidFill>
+            <a:prstDash val="solid"/>
+            <a:round/>
+            <a:headEnd type="none" w="med" len="med"/>
+            <a:tailEnd type="none" w="med" len="med"/>
+          </a:ln>
+          <a:effectLst/>
+        </p:spPr>
+      </p:cxnSp>
+      <p:cxnSp>
+        <p:nvCxnSpPr>
+          <p:cNvPr id="14" name="Straight Connector 13">
+            <a:extLst>
+              <a:ext uri="{FF2B5EF4-FFF2-40B4-BE49-F238E27FC236}">
+                <a16:creationId xmlns:a16="http://schemas.microsoft.com/office/drawing/2014/main" id="{525D20A0-3822-4BAE-AE50-6E2722AFD3DE}"/>
+              </a:ext>
+            </a:extLst>
+          </p:cNvPr>
+          <p:cNvCxnSpPr>
+            <a:cxnSpLocks/>
+          </p:cNvCxnSpPr>
+          <p:nvPr/>
+        </p:nvCxnSpPr>
+        <p:spPr bwMode="auto">
+          <a:xfrm flipH="1">
+            <a:off x="12596283" y="5033402"/>
+            <a:ext cx="108474" cy="2179305"/>
+          </a:xfrm>
+          <a:prstGeom prst="line">
+            <a:avLst/>
+          </a:prstGeom>
+          <a:solidFill>
+            <a:schemeClr val="accent1"/>
+          </a:solidFill>
+          <a:ln w="9525" cap="flat" cmpd="sng" algn="ctr">
+            <a:solidFill>
+              <a:schemeClr val="tx1"/>
+            </a:solidFill>
+            <a:prstDash val="solid"/>
+            <a:round/>
+            <a:headEnd type="none" w="med" len="med"/>
+            <a:tailEnd type="none" w="med" len="med"/>
+          </a:ln>
+          <a:effectLst/>
+        </p:spPr>
+      </p:cxnSp>
+      <p:cxnSp>
+        <p:nvCxnSpPr>
+          <p:cNvPr id="16" name="Straight Connector 15">
+            <a:extLst>
+              <a:ext uri="{FF2B5EF4-FFF2-40B4-BE49-F238E27FC236}">
+                <a16:creationId xmlns:a16="http://schemas.microsoft.com/office/drawing/2014/main" id="{12BA5BAE-53CD-4E44-A039-6C0FE5682F1B}"/>
+              </a:ext>
+            </a:extLst>
+          </p:cNvPr>
+          <p:cNvCxnSpPr>
+            <a:cxnSpLocks/>
+          </p:cNvCxnSpPr>
+          <p:nvPr/>
+        </p:nvCxnSpPr>
+        <p:spPr bwMode="auto">
+          <a:xfrm flipH="1">
+            <a:off x="14041982" y="5033402"/>
+            <a:ext cx="216024" cy="2179305"/>
+          </a:xfrm>
+          <a:prstGeom prst="line">
+            <a:avLst/>
+          </a:prstGeom>
+          <a:solidFill>
+            <a:schemeClr val="accent1"/>
+          </a:solidFill>
+          <a:ln w="9525" cap="flat" cmpd="sng" algn="ctr">
+            <a:solidFill>
+              <a:schemeClr val="tx1"/>
+            </a:solidFill>
+            <a:prstDash val="solid"/>
+            <a:round/>
+            <a:headEnd type="none" w="med" len="med"/>
+            <a:tailEnd type="none" w="med" len="med"/>
+          </a:ln>
+          <a:effectLst/>
+        </p:spPr>
+      </p:cxnSp>
+      <p:sp>
+        <p:nvSpPr>
+          <p:cNvPr id="21" name="Rectangle 7">
+            <a:extLst>
+              <a:ext uri="{FF2B5EF4-FFF2-40B4-BE49-F238E27FC236}">
+                <a16:creationId xmlns:a16="http://schemas.microsoft.com/office/drawing/2014/main" id="{F5C58CA3-45F1-4D88-95F7-5415AAC39A45}"/>
+              </a:ext>
+            </a:extLst>
+          </p:cNvPr>
+          <p:cNvSpPr>
+            <a:spLocks noChangeArrowheads="1"/>
+          </p:cNvSpPr>
+          <p:nvPr/>
+        </p:nvSpPr>
+        <p:spPr bwMode="auto">
+          <a:xfrm>
+            <a:off x="203199" y="2382661"/>
+            <a:ext cx="3540125" cy="3540103"/>
+          </a:xfrm>
+          <a:prstGeom prst="rect">
+            <a:avLst/>
+          </a:prstGeom>
+          <a:solidFill>
+            <a:schemeClr val="bg1"/>
+          </a:solidFill>
+          <a:ln w="9525">
+            <a:solidFill>
+              <a:schemeClr val="tx1"/>
+            </a:solidFill>
+            <a:miter lim="800000"/>
+            <a:headEnd/>
+            <a:tailEnd/>
+          </a:ln>
+        </p:spPr>
+        <p:txBody>
+          <a:bodyPr/>
+          <a:lstStyle>
+            <a:lvl1pPr eaLnBrk="0" hangingPunct="0">
+              <a:defRPr sz="2900">
+                <a:solidFill>
+                  <a:schemeClr val="tx1"/>
+                </a:solidFill>
+                <a:latin typeface="Arial" charset="0"/>
+              </a:defRPr>
+            </a:lvl1pPr>
+            <a:lvl2pPr marL="742950" indent="-285750" eaLnBrk="0" hangingPunct="0">
+              <a:defRPr sz="2900">
+                <a:solidFill>
+                  <a:schemeClr val="tx1"/>
+                </a:solidFill>
+                <a:latin typeface="Arial" charset="0"/>
+              </a:defRPr>
+            </a:lvl2pPr>
+            <a:lvl3pPr marL="1143000" indent="-228600" eaLnBrk="0" hangingPunct="0">
+              <a:defRPr sz="2900">
+                <a:solidFill>
+                  <a:schemeClr val="tx1"/>
+                </a:solidFill>
+                <a:latin typeface="Arial" charset="0"/>
+              </a:defRPr>
+            </a:lvl3pPr>
+            <a:lvl4pPr marL="1600200" indent="-228600" eaLnBrk="0" hangingPunct="0">
+              <a:defRPr sz="2900">
+                <a:solidFill>
+                  <a:schemeClr val="tx1"/>
+                </a:solidFill>
+                <a:latin typeface="Arial" charset="0"/>
+              </a:defRPr>
+            </a:lvl4pPr>
+            <a:lvl5pPr marL="2057400" indent="-228600" eaLnBrk="0" hangingPunct="0">
+              <a:defRPr sz="2900">
+                <a:solidFill>
+                  <a:schemeClr val="tx1"/>
+                </a:solidFill>
+                <a:latin typeface="Arial" charset="0"/>
+              </a:defRPr>
+            </a:lvl5pPr>
+            <a:lvl6pPr marL="2514600" indent="-228600" eaLnBrk="0" fontAlgn="base" hangingPunct="0">
+              <a:spcBef>
+                <a:spcPct val="0"/>
+              </a:spcBef>
+              <a:spcAft>
+                <a:spcPct val="0"/>
+              </a:spcAft>
+              <a:defRPr sz="2900">
+                <a:solidFill>
+                  <a:schemeClr val="tx1"/>
+                </a:solidFill>
+                <a:latin typeface="Arial" charset="0"/>
+              </a:defRPr>
+            </a:lvl6pPr>
+            <a:lvl7pPr marL="2971800" indent="-228600" eaLnBrk="0" fontAlgn="base" hangingPunct="0">
+              <a:spcBef>
+                <a:spcPct val="0"/>
+              </a:spcBef>
+              <a:spcAft>
+                <a:spcPct val="0"/>
+              </a:spcAft>
+              <a:defRPr sz="2900">
+                <a:solidFill>
+                  <a:schemeClr val="tx1"/>
+                </a:solidFill>
+                <a:latin typeface="Arial" charset="0"/>
+              </a:defRPr>
+            </a:lvl7pPr>
+            <a:lvl8pPr marL="3429000" indent="-228600" eaLnBrk="0" fontAlgn="base" hangingPunct="0">
+              <a:spcBef>
+                <a:spcPct val="0"/>
+              </a:spcBef>
+              <a:spcAft>
+                <a:spcPct val="0"/>
+              </a:spcAft>
+              <a:defRPr sz="2900">
+                <a:solidFill>
+                  <a:schemeClr val="tx1"/>
+                </a:solidFill>
+                <a:latin typeface="Arial" charset="0"/>
+              </a:defRPr>
+            </a:lvl8pPr>
+            <a:lvl9pPr marL="3886200" indent="-228600" eaLnBrk="0" fontAlgn="base" hangingPunct="0">
+              <a:spcBef>
+                <a:spcPct val="0"/>
+              </a:spcBef>
+              <a:spcAft>
+                <a:spcPct val="0"/>
+              </a:spcAft>
+              <a:defRPr sz="2900">
+                <a:solidFill>
+                  <a:schemeClr val="tx1"/>
+                </a:solidFill>
+                <a:latin typeface="Arial" charset="0"/>
+              </a:defRPr>
+            </a:lvl9pPr>
+          </a:lstStyle>
+          <a:p>
+            <a:pPr eaLnBrk="1" hangingPunct="1"/>
+            <a:r>
+              <a:rPr lang="en-US" altLang="x-none" sz="1400" b="1" dirty="0"/>
+              <a:t>The problem:</a:t>
+            </a:r>
+            <a:r>
+              <a:rPr lang="en-US" altLang="x-none" sz="1400" dirty="0"/>
+              <a:t>    </a:t>
+            </a:r>
+          </a:p>
+          <a:p>
+            <a:pPr eaLnBrk="1" hangingPunct="1"/>
+            <a:r>
+              <a:rPr lang="en-US" altLang="x-none" sz="1400" dirty="0"/>
+              <a:t>    The large majority of office workers use Excel spreadsheets and other cell separated file formats to store a variety of data in tables and when these tables start becoming too complex to be held in a single file you may need to bring together those tables of data into a single or more readable format and with large tables this can become a long process to get correct and cause errors if merged incorrectly with the users options being to copy and paste or use available functionalities inside Excel which require the user to specify where the tables are and how they will merge.</a:t>
+            </a:r>
+          </a:p>
+        </p:txBody>
+      </p:sp>
+      <p:sp>
+        <p:nvSpPr>
+          <p:cNvPr id="22" name="Rectangle 7">
+            <a:extLst>
+              <a:ext uri="{FF2B5EF4-FFF2-40B4-BE49-F238E27FC236}">
+                <a16:creationId xmlns:a16="http://schemas.microsoft.com/office/drawing/2014/main" id="{C223D4B4-7B01-4D9E-9A79-528D714DD92E}"/>
+              </a:ext>
+            </a:extLst>
+          </p:cNvPr>
+          <p:cNvSpPr>
+            <a:spLocks noChangeArrowheads="1"/>
+          </p:cNvSpPr>
+          <p:nvPr/>
+        </p:nvSpPr>
+        <p:spPr bwMode="auto">
+          <a:xfrm>
+            <a:off x="210443" y="6138788"/>
+            <a:ext cx="3540125" cy="4176464"/>
+          </a:xfrm>
+          <a:prstGeom prst="rect">
+            <a:avLst/>
+          </a:prstGeom>
+          <a:solidFill>
+            <a:schemeClr val="bg1"/>
+          </a:solidFill>
+          <a:ln w="9525">
+            <a:solidFill>
+              <a:schemeClr val="tx1"/>
+            </a:solidFill>
+            <a:miter lim="800000"/>
+            <a:headEnd/>
+            <a:tailEnd/>
+          </a:ln>
+        </p:spPr>
+        <p:txBody>
+          <a:bodyPr/>
+          <a:lstStyle>
+            <a:lvl1pPr eaLnBrk="0" hangingPunct="0">
+              <a:defRPr sz="2900">
+                <a:solidFill>
+                  <a:schemeClr val="tx1"/>
+                </a:solidFill>
+                <a:latin typeface="Arial" charset="0"/>
+              </a:defRPr>
+            </a:lvl1pPr>
+            <a:lvl2pPr marL="742950" indent="-285750" eaLnBrk="0" hangingPunct="0">
+              <a:defRPr sz="2900">
+                <a:solidFill>
+                  <a:schemeClr val="tx1"/>
+                </a:solidFill>
+                <a:latin typeface="Arial" charset="0"/>
+              </a:defRPr>
+            </a:lvl2pPr>
+            <a:lvl3pPr marL="1143000" indent="-228600" eaLnBrk="0" hangingPunct="0">
+              <a:defRPr sz="2900">
+                <a:solidFill>
+                  <a:schemeClr val="tx1"/>
+                </a:solidFill>
+                <a:latin typeface="Arial" charset="0"/>
+              </a:defRPr>
+            </a:lvl3pPr>
+            <a:lvl4pPr marL="1600200" indent="-228600" eaLnBrk="0" hangingPunct="0">
+              <a:defRPr sz="2900">
+                <a:solidFill>
+                  <a:schemeClr val="tx1"/>
+                </a:solidFill>
+                <a:latin typeface="Arial" charset="0"/>
+              </a:defRPr>
+            </a:lvl4pPr>
+            <a:lvl5pPr marL="2057400" indent="-228600" eaLnBrk="0" hangingPunct="0">
+              <a:defRPr sz="2900">
+                <a:solidFill>
+                  <a:schemeClr val="tx1"/>
+                </a:solidFill>
+                <a:latin typeface="Arial" charset="0"/>
+              </a:defRPr>
+            </a:lvl5pPr>
+            <a:lvl6pPr marL="2514600" indent="-228600" eaLnBrk="0" fontAlgn="base" hangingPunct="0">
+              <a:spcBef>
+                <a:spcPct val="0"/>
+              </a:spcBef>
+              <a:spcAft>
+                <a:spcPct val="0"/>
+              </a:spcAft>
+              <a:defRPr sz="2900">
+                <a:solidFill>
+                  <a:schemeClr val="tx1"/>
+                </a:solidFill>
+                <a:latin typeface="Arial" charset="0"/>
+              </a:defRPr>
+            </a:lvl6pPr>
+            <a:lvl7pPr marL="2971800" indent="-228600" eaLnBrk="0" fontAlgn="base" hangingPunct="0">
+              <a:spcBef>
+                <a:spcPct val="0"/>
+              </a:spcBef>
+              <a:spcAft>
+                <a:spcPct val="0"/>
+              </a:spcAft>
+              <a:defRPr sz="2900">
+                <a:solidFill>
+                  <a:schemeClr val="tx1"/>
+                </a:solidFill>
+                <a:latin typeface="Arial" charset="0"/>
+              </a:defRPr>
+            </a:lvl7pPr>
+            <a:lvl8pPr marL="3429000" indent="-228600" eaLnBrk="0" fontAlgn="base" hangingPunct="0">
+              <a:spcBef>
+                <a:spcPct val="0"/>
+              </a:spcBef>
+              <a:spcAft>
+                <a:spcPct val="0"/>
+              </a:spcAft>
+              <a:defRPr sz="2900">
+                <a:solidFill>
+                  <a:schemeClr val="tx1"/>
+                </a:solidFill>
+                <a:latin typeface="Arial" charset="0"/>
+              </a:defRPr>
+            </a:lvl8pPr>
+            <a:lvl9pPr marL="3886200" indent="-228600" eaLnBrk="0" fontAlgn="base" hangingPunct="0">
+              <a:spcBef>
+                <a:spcPct val="0"/>
+              </a:spcBef>
+              <a:spcAft>
+                <a:spcPct val="0"/>
+              </a:spcAft>
+              <a:defRPr sz="2900">
+                <a:solidFill>
+                  <a:schemeClr val="tx1"/>
+                </a:solidFill>
+                <a:latin typeface="Arial" charset="0"/>
+              </a:defRPr>
+            </a:lvl9pPr>
+          </a:lstStyle>
+          <a:p>
+            <a:pPr eaLnBrk="1" hangingPunct="1"/>
+            <a:r>
+              <a:rPr lang="en-US" altLang="x-none" sz="1400" b="1" dirty="0"/>
+              <a:t>The goal:</a:t>
+            </a:r>
+          </a:p>
+          <a:p>
+            <a:pPr eaLnBrk="1" hangingPunct="1"/>
+            <a:r>
+              <a:rPr lang="en-US" altLang="x-none" sz="1400" dirty="0"/>
+              <a:t>    To create an easy to use program that will simplify this process and make is accessible for any user regardless of their technical expertise by automating as much of the process as possible. This involves not only merging the tables together correctly but to also detect the relations between tables.</a:t>
+            </a:r>
+          </a:p>
+          <a:p>
+            <a:pPr eaLnBrk="1" hangingPunct="1"/>
+            <a:r>
+              <a:rPr lang="en-US" altLang="x-none" sz="1400" dirty="0"/>
+              <a:t>    On top of this the program should also help the user verify that the data they are importing is correct and valid through a combination of automated error detection and summary information collected from the tables the user has imported.</a:t>
+            </a:r>
+          </a:p>
+          <a:p>
+            <a:pPr eaLnBrk="1" hangingPunct="1"/>
+            <a:r>
+              <a:rPr lang="en-US" altLang="x-none" sz="1400" dirty="0"/>
+              <a:t>    All this brought together should allow for users to merge tables more efficiently with the time spent merging and error checking reduced.</a:t>
+            </a:r>
+          </a:p>
+        </p:txBody>
+      </p:sp>
+      <p:sp>
+        <p:nvSpPr>
+          <p:cNvPr id="5" name="TextBox 4">
+            <a:extLst>
+              <a:ext uri="{FF2B5EF4-FFF2-40B4-BE49-F238E27FC236}">
+                <a16:creationId xmlns:a16="http://schemas.microsoft.com/office/drawing/2014/main" id="{A1C20F66-1CD8-48A2-94F2-C35AD05C5FCE}"/>
+              </a:ext>
+            </a:extLst>
+          </p:cNvPr>
+          <p:cNvSpPr txBox="1"/>
+          <p:nvPr/>
+        </p:nvSpPr>
+        <p:spPr>
+          <a:xfrm>
+            <a:off x="7795533" y="9532357"/>
+            <a:ext cx="6913330" cy="338554"/>
+          </a:xfrm>
+          <a:prstGeom prst="rect">
+            <a:avLst/>
+          </a:prstGeom>
+          <a:noFill/>
+        </p:spPr>
+        <p:txBody>
+          <a:bodyPr wrap="square" rtlCol="0">
+            <a:spAutoFit/>
+          </a:bodyPr>
+          <a:lstStyle/>
+          <a:p>
+            <a:r>
+              <a:rPr lang="en-GB" sz="1600" b="1" dirty="0"/>
+              <a:t>WARNING:</a:t>
+            </a:r>
+            <a:r>
+              <a:rPr lang="en-GB" sz="1600" dirty="0"/>
+              <a:t> Value not found from merging table in Department</a:t>
+            </a:r>
+            <a:endParaRPr lang="en-GB" sz="1600" b="1" dirty="0"/>
+          </a:p>
+        </p:txBody>
+      </p:sp>
+      <p:sp>
+        <p:nvSpPr>
+          <p:cNvPr id="25" name="Rectangle 8">
+            <a:extLst>
+              <a:ext uri="{FF2B5EF4-FFF2-40B4-BE49-F238E27FC236}">
+                <a16:creationId xmlns:a16="http://schemas.microsoft.com/office/drawing/2014/main" id="{B38063BF-9289-47ED-BE29-526E3EA0C85B}"/>
+              </a:ext>
+            </a:extLst>
+          </p:cNvPr>
+          <p:cNvSpPr>
+            <a:spLocks noChangeArrowheads="1"/>
+          </p:cNvSpPr>
+          <p:nvPr/>
+        </p:nvSpPr>
+        <p:spPr bwMode="auto">
+          <a:xfrm>
+            <a:off x="3927320" y="2382661"/>
+            <a:ext cx="3540125" cy="1451871"/>
+          </a:xfrm>
+          <a:prstGeom prst="rect">
+            <a:avLst/>
+          </a:prstGeom>
+          <a:solidFill>
+            <a:schemeClr val="bg1"/>
+          </a:solidFill>
+          <a:ln w="9525">
+            <a:solidFill>
+              <a:schemeClr val="tx1"/>
+            </a:solidFill>
+            <a:miter lim="800000"/>
+            <a:headEnd/>
+            <a:tailEnd/>
+          </a:ln>
+        </p:spPr>
+        <p:txBody>
+          <a:bodyPr/>
+          <a:lstStyle>
+            <a:lvl1pPr eaLnBrk="0" hangingPunct="0">
+              <a:defRPr sz="2900">
+                <a:solidFill>
+                  <a:schemeClr val="tx1"/>
+                </a:solidFill>
+                <a:latin typeface="Arial" charset="0"/>
+              </a:defRPr>
+            </a:lvl1pPr>
+            <a:lvl2pPr marL="742950" indent="-285750" eaLnBrk="0" hangingPunct="0">
+              <a:defRPr sz="2900">
+                <a:solidFill>
+                  <a:schemeClr val="tx1"/>
+                </a:solidFill>
+                <a:latin typeface="Arial" charset="0"/>
+              </a:defRPr>
+            </a:lvl2pPr>
+            <a:lvl3pPr marL="1143000" indent="-228600" eaLnBrk="0" hangingPunct="0">
+              <a:defRPr sz="2900">
+                <a:solidFill>
+                  <a:schemeClr val="tx1"/>
+                </a:solidFill>
+                <a:latin typeface="Arial" charset="0"/>
+              </a:defRPr>
+            </a:lvl3pPr>
+            <a:lvl4pPr marL="1600200" indent="-228600" eaLnBrk="0" hangingPunct="0">
+              <a:defRPr sz="2900">
+                <a:solidFill>
+                  <a:schemeClr val="tx1"/>
+                </a:solidFill>
+                <a:latin typeface="Arial" charset="0"/>
+              </a:defRPr>
+            </a:lvl4pPr>
+            <a:lvl5pPr marL="2057400" indent="-228600" eaLnBrk="0" hangingPunct="0">
+              <a:defRPr sz="2900">
+                <a:solidFill>
+                  <a:schemeClr val="tx1"/>
+                </a:solidFill>
+                <a:latin typeface="Arial" charset="0"/>
+              </a:defRPr>
+            </a:lvl5pPr>
+            <a:lvl6pPr marL="2514600" indent="-228600" eaLnBrk="0" fontAlgn="base" hangingPunct="0">
+              <a:spcBef>
+                <a:spcPct val="0"/>
+              </a:spcBef>
+              <a:spcAft>
+                <a:spcPct val="0"/>
+              </a:spcAft>
+              <a:defRPr sz="2900">
+                <a:solidFill>
+                  <a:schemeClr val="tx1"/>
+                </a:solidFill>
+                <a:latin typeface="Arial" charset="0"/>
+              </a:defRPr>
+            </a:lvl6pPr>
+            <a:lvl7pPr marL="2971800" indent="-228600" eaLnBrk="0" fontAlgn="base" hangingPunct="0">
+              <a:spcBef>
+                <a:spcPct val="0"/>
+              </a:spcBef>
+              <a:spcAft>
+                <a:spcPct val="0"/>
+              </a:spcAft>
+              <a:defRPr sz="2900">
+                <a:solidFill>
+                  <a:schemeClr val="tx1"/>
+                </a:solidFill>
+                <a:latin typeface="Arial" charset="0"/>
+              </a:defRPr>
+            </a:lvl7pPr>
+            <a:lvl8pPr marL="3429000" indent="-228600" eaLnBrk="0" fontAlgn="base" hangingPunct="0">
+              <a:spcBef>
+                <a:spcPct val="0"/>
+              </a:spcBef>
+              <a:spcAft>
+                <a:spcPct val="0"/>
+              </a:spcAft>
+              <a:defRPr sz="2900">
+                <a:solidFill>
+                  <a:schemeClr val="tx1"/>
+                </a:solidFill>
+                <a:latin typeface="Arial" charset="0"/>
+              </a:defRPr>
+            </a:lvl8pPr>
+            <a:lvl9pPr marL="3886200" indent="-228600" eaLnBrk="0" fontAlgn="base" hangingPunct="0">
+              <a:spcBef>
+                <a:spcPct val="0"/>
+              </a:spcBef>
+              <a:spcAft>
+                <a:spcPct val="0"/>
+              </a:spcAft>
+              <a:defRPr sz="2900">
+                <a:solidFill>
+                  <a:schemeClr val="tx1"/>
+                </a:solidFill>
+                <a:latin typeface="Arial" charset="0"/>
+              </a:defRPr>
+            </a:lvl9pPr>
+          </a:lstStyle>
+          <a:p>
+            <a:pPr eaLnBrk="1" hangingPunct="1"/>
+            <a:r>
+              <a:rPr lang="en-GB" altLang="x-none" sz="1400" b="1" dirty="0"/>
+              <a:t>Created using:</a:t>
+            </a:r>
+            <a:r>
+              <a:rPr lang="en-GB" altLang="x-none" sz="1400" dirty="0"/>
+              <a:t>   </a:t>
+            </a:r>
+          </a:p>
+          <a:p>
+            <a:pPr eaLnBrk="1" hangingPunct="1"/>
+            <a:r>
+              <a:rPr lang="en-GB" altLang="x-none" sz="1400" dirty="0"/>
+              <a:t>    This project has been created using Java due to its object orientated nature  and using the Apache POI module to help with reading and writing Excel spreadsheets.</a:t>
+            </a:r>
+            <a:endParaRPr lang="x-none" altLang="x-none" sz="1400" dirty="0"/>
+          </a:p>
+        </p:txBody>
+      </p:sp>
     </p:spTree>
   </p:cSld>
   <p:clrMapOvr>
